--- a/doc/Pitch.pptx
+++ b/doc/Pitch.pptx
@@ -3119,7 +3119,6 @@
               <a:rPr lang="en-US" dirty="0" smtClean="0"/>
               <a:t>Aditya Narasimhamurthy</a:t>
             </a:r>
-            <a:endParaRPr lang="en-US" dirty="0" smtClean="0"/>
           </a:p>
           <a:p>
             <a:r>
@@ -3143,11 +3142,7 @@
             </a:r>
             <a:r>
               <a:rPr lang="en-US" dirty="0" smtClean="0"/>
-              <a:t> </a:t>
-            </a:r>
-            <a:r>
-              <a:rPr lang="en-US" dirty="0" smtClean="0"/>
-              <a:t>Kumar</a:t>
+              <a:t> Kumar</a:t>
             </a:r>
           </a:p>
           <a:p>
@@ -3373,32 +3368,15 @@
             <a:pPr lvl="1"/>
             <a:r>
               <a:rPr lang="en-US" dirty="0" smtClean="0"/>
-              <a:t>Educational </a:t>
-            </a:r>
-            <a:r>
-              <a:rPr lang="en-US" dirty="0" smtClean="0"/>
-              <a:t>enhancements (easier </a:t>
-            </a:r>
-            <a:r>
-              <a:rPr lang="en-US" dirty="0" smtClean="0"/>
-              <a:t>to teach coding)</a:t>
+              <a:t>Educational enhancements (easier to teach coding)</a:t>
             </a:r>
           </a:p>
           <a:p>
             <a:pPr lvl="1"/>
             <a:r>
               <a:rPr lang="en-US" dirty="0" smtClean="0"/>
-              <a:t>Pseudo </a:t>
-            </a:r>
-            <a:r>
-              <a:rPr lang="en-US" dirty="0" smtClean="0"/>
-              <a:t>code </a:t>
-            </a:r>
-            <a:r>
-              <a:rPr lang="en-US" dirty="0" smtClean="0"/>
-              <a:t>execution (with as minimal changes as possible)</a:t>
-            </a:r>
-            <a:endParaRPr lang="en-US" dirty="0" smtClean="0"/>
+              <a:t>Pseudo code execution (with as minimal changes as possible)</a:t>
+            </a:r>
           </a:p>
           <a:p>
             <a:endParaRPr lang="en-US" dirty="0"/>
@@ -3468,7 +3446,7 @@
         <p:spPr/>
         <p:txBody>
           <a:bodyPr>
-            <a:normAutofit fontScale="92500" lnSpcReduction="20000"/>
+            <a:normAutofit fontScale="92500" lnSpcReduction="10000"/>
           </a:bodyPr>
           <a:lstStyle/>
           <a:p>
@@ -3483,7 +3461,15 @@
           <a:p>
             <a:r>
               <a:rPr lang="en-US" dirty="0" smtClean="0"/>
-              <a:t>Suppose we have to write a program to find the sum of 2 or more numbers, our code would look something like this:</a:t>
+              <a:t>Suppose </a:t>
+            </a:r>
+            <a:r>
+              <a:rPr lang="en-US" dirty="0" smtClean="0"/>
+              <a:t>we want to set a variable, say x, to 5. Our </a:t>
+            </a:r>
+            <a:r>
+              <a:rPr lang="en-US" dirty="0" smtClean="0"/>
+              <a:t>code would look something like this:</a:t>
             </a:r>
           </a:p>
           <a:p>
@@ -3505,8 +3491,13 @@
             </a:r>
             <a:r>
               <a:rPr lang="pt-BR" dirty="0" smtClean="0"/>
-              <a:t>x = 5;</a:t>
-            </a:r>
+              <a:t>x = </a:t>
+            </a:r>
+            <a:r>
+              <a:rPr lang="pt-BR" dirty="0" smtClean="0"/>
+              <a:t>5</a:t>
+            </a:r>
+            <a:endParaRPr lang="pt-BR" dirty="0" smtClean="0"/>
           </a:p>
           <a:p>
             <a:pPr>
@@ -3576,11 +3567,7 @@
           <a:p>
             <a:r>
               <a:rPr lang="en-US" dirty="0" smtClean="0"/>
-              <a:t>Language </a:t>
-            </a:r>
-            <a:r>
-              <a:rPr lang="en-US" dirty="0" smtClean="0"/>
-              <a:t>Design – RAMM vs. ALGOL 60</a:t>
+              <a:t>Language Design – RAMM vs. ALGOL 60</a:t>
             </a:r>
             <a:endParaRPr lang="en-US" dirty="0"/>
           </a:p>
@@ -3612,17 +3599,12 @@
               <a:rPr lang="en-US" dirty="0" smtClean="0"/>
               <a:t>ALGOL Syntax</a:t>
             </a:r>
-            <a:endParaRPr lang="en-US" dirty="0" smtClean="0"/>
           </a:p>
           <a:p>
             <a:pPr lvl="2"/>
             <a:r>
               <a:rPr lang="en-US" dirty="0" smtClean="0"/>
-              <a:t>k := 1</a:t>
-            </a:r>
-            <a:r>
-              <a:rPr lang="en-US" dirty="0" smtClean="0"/>
-              <a:t>; // setting a variable k which holds value 1.</a:t>
+              <a:t>k := 1; // setting a variable k which holds value 1.</a:t>
             </a:r>
           </a:p>
           <a:p>
@@ -3637,30 +3619,14 @@
             <a:pPr lvl="1"/>
             <a:r>
               <a:rPr lang="en-US" dirty="0" smtClean="0"/>
-              <a:t>RAMM </a:t>
-            </a:r>
-            <a:r>
-              <a:rPr lang="en-US" dirty="0" smtClean="0"/>
-              <a:t>Syntax</a:t>
+              <a:t>RAMM Syntax</a:t>
             </a:r>
           </a:p>
           <a:p>
             <a:pPr lvl="2"/>
             <a:r>
               <a:rPr lang="en-US" dirty="0" smtClean="0"/>
-              <a:t>K = </a:t>
-            </a:r>
-            <a:r>
-              <a:rPr lang="en-US" dirty="0" smtClean="0"/>
-              <a:t>1; // setting a variable k </a:t>
-            </a:r>
-            <a:r>
-              <a:rPr lang="en-US" dirty="0" smtClean="0"/>
-              <a:t>which holds </a:t>
-            </a:r>
-            <a:r>
-              <a:rPr lang="en-US" dirty="0" smtClean="0"/>
-              <a:t>value 1.</a:t>
+              <a:t>K = 1; // setting a variable k which holds value 1.</a:t>
             </a:r>
           </a:p>
           <a:p>
@@ -3759,8 +3725,13 @@
           <a:p>
             <a:r>
               <a:rPr lang="en-US" dirty="0" smtClean="0"/>
-              <a:t>Assembly like syntax/readable</a:t>
-            </a:r>
+              <a:t>Assembly like </a:t>
+            </a:r>
+            <a:r>
+              <a:rPr lang="en-US" dirty="0" smtClean="0"/>
+              <a:t>syntax, which makes it easy to read.</a:t>
+            </a:r>
+            <a:endParaRPr lang="en-US" dirty="0" smtClean="0"/>
           </a:p>
           <a:p>
             <a:endParaRPr lang="en-US" dirty="0" smtClean="0"/>
@@ -3790,8 +3761,13 @@
             </a:r>
             <a:r>
               <a:rPr lang="en-US" dirty="0" smtClean="0"/>
-              <a:t>SET x 5</a:t>
-            </a:r>
+              <a:t>SET x </a:t>
+            </a:r>
+            <a:r>
+              <a:rPr lang="en-US" dirty="0" smtClean="0"/>
+              <a:t>5			// x = 5</a:t>
+            </a:r>
+            <a:endParaRPr lang="en-US" dirty="0" smtClean="0"/>
           </a:p>
           <a:p>
             <a:endParaRPr lang="en-US" dirty="0" smtClean="0"/>
@@ -3875,81 +3851,40 @@
           <a:p>
             <a:r>
               <a:rPr lang="en-US" dirty="0" smtClean="0"/>
-              <a:t>Dynamically </a:t>
-            </a:r>
-            <a:r>
-              <a:rPr lang="en-US" dirty="0" smtClean="0"/>
-              <a:t>Typed</a:t>
+              <a:t>Dynamically Typed</a:t>
             </a:r>
           </a:p>
           <a:p>
             <a:pPr lvl="1"/>
             <a:r>
               <a:rPr lang="en-US" dirty="0" smtClean="0"/>
-              <a:t>  </a:t>
-            </a:r>
-            <a:r>
-              <a:rPr lang="en-US" dirty="0" smtClean="0"/>
-              <a:t>Type </a:t>
-            </a:r>
-            <a:r>
-              <a:rPr lang="en-US" dirty="0" smtClean="0"/>
-              <a:t>checks are left until run-time.</a:t>
-            </a:r>
-            <a:endParaRPr lang="en-US" dirty="0" smtClean="0"/>
-          </a:p>
-          <a:p>
-            <a:r>
-              <a:rPr lang="en-US" dirty="0" smtClean="0"/>
-              <a:t>Static </a:t>
-            </a:r>
-            <a:r>
-              <a:rPr lang="en-US" dirty="0" smtClean="0"/>
-              <a:t>scoping</a:t>
+              <a:t>  Type checks are left until run-time.</a:t>
+            </a:r>
+          </a:p>
+          <a:p>
+            <a:r>
+              <a:rPr lang="en-US" dirty="0" smtClean="0"/>
+              <a:t>Static scoping</a:t>
             </a:r>
           </a:p>
           <a:p>
             <a:pPr lvl="1"/>
             <a:r>
               <a:rPr lang="en-US" dirty="0" smtClean="0"/>
-              <a:t> 	</a:t>
-            </a:r>
-            <a:r>
-              <a:rPr lang="en-US" dirty="0" smtClean="0"/>
-              <a:t>A variable always refers to its top-level 	environment.</a:t>
-            </a:r>
-          </a:p>
-          <a:p>
-            <a:r>
-              <a:rPr lang="en-US" dirty="0" smtClean="0"/>
-              <a:t>Lazy </a:t>
-            </a:r>
-            <a:r>
-              <a:rPr lang="en-US" dirty="0" smtClean="0"/>
-              <a:t>evaluation</a:t>
+              <a:t> 	A variable always refers to its top-level 	environment.</a:t>
+            </a:r>
+          </a:p>
+          <a:p>
+            <a:r>
+              <a:rPr lang="en-US" dirty="0" smtClean="0"/>
+              <a:t>Lazy evaluation</a:t>
             </a:r>
           </a:p>
           <a:p>
             <a:pPr lvl="1"/>
             <a:r>
               <a:rPr lang="en-US" dirty="0" smtClean="0"/>
-              <a:t> 	</a:t>
-            </a:r>
-            <a:r>
-              <a:rPr lang="en-US" dirty="0" smtClean="0"/>
-              <a:t>Delays evaluation of an </a:t>
-            </a:r>
-            <a:r>
-              <a:rPr lang="en-US" dirty="0" smtClean="0"/>
-              <a:t>expression</a:t>
-            </a:r>
-            <a:r>
-              <a:rPr lang="en-US" dirty="0" smtClean="0"/>
-              <a:t> until its 	value is needed. </a:t>
-            </a:r>
-            <a:r>
-              <a:rPr lang="en-US" dirty="0" smtClean="0"/>
-              <a:t>Also avoids repeated 	evaluations.</a:t>
+              <a:t> 	Delays evaluation of an expression until its 	value is needed. Also avoids repeated 	evaluations.</a:t>
             </a:r>
           </a:p>
           <a:p>

--- a/doc/Pitch.pptx
+++ b/doc/Pitch.pptx
@@ -295,7 +295,7 @@
             <a:fld id="{1D8BD707-D9CF-40AE-B4C6-C98DA3205C09}" type="datetimeFigureOut">
               <a:rPr lang="en-US" smtClean="0"/>
               <a:pPr/>
-              <a:t>4/28/2015</a:t>
+              <a:t>4/29/2015</a:t>
             </a:fld>
             <a:endParaRPr lang="en-US"/>
           </a:p>
@@ -462,7 +462,7 @@
             <a:fld id="{1D8BD707-D9CF-40AE-B4C6-C98DA3205C09}" type="datetimeFigureOut">
               <a:rPr lang="en-US" smtClean="0"/>
               <a:pPr/>
-              <a:t>4/28/2015</a:t>
+              <a:t>4/29/2015</a:t>
             </a:fld>
             <a:endParaRPr lang="en-US"/>
           </a:p>
@@ -639,7 +639,7 @@
             <a:fld id="{1D8BD707-D9CF-40AE-B4C6-C98DA3205C09}" type="datetimeFigureOut">
               <a:rPr lang="en-US" smtClean="0"/>
               <a:pPr/>
-              <a:t>4/28/2015</a:t>
+              <a:t>4/29/2015</a:t>
             </a:fld>
             <a:endParaRPr lang="en-US"/>
           </a:p>
@@ -806,7 +806,7 @@
             <a:fld id="{1D8BD707-D9CF-40AE-B4C6-C98DA3205C09}" type="datetimeFigureOut">
               <a:rPr lang="en-US" smtClean="0"/>
               <a:pPr/>
-              <a:t>4/28/2015</a:t>
+              <a:t>4/29/2015</a:t>
             </a:fld>
             <a:endParaRPr lang="en-US"/>
           </a:p>
@@ -1049,7 +1049,7 @@
             <a:fld id="{1D8BD707-D9CF-40AE-B4C6-C98DA3205C09}" type="datetimeFigureOut">
               <a:rPr lang="en-US" smtClean="0"/>
               <a:pPr/>
-              <a:t>4/28/2015</a:t>
+              <a:t>4/29/2015</a:t>
             </a:fld>
             <a:endParaRPr lang="en-US"/>
           </a:p>
@@ -1334,7 +1334,7 @@
             <a:fld id="{1D8BD707-D9CF-40AE-B4C6-C98DA3205C09}" type="datetimeFigureOut">
               <a:rPr lang="en-US" smtClean="0"/>
               <a:pPr/>
-              <a:t>4/28/2015</a:t>
+              <a:t>4/29/2015</a:t>
             </a:fld>
             <a:endParaRPr lang="en-US"/>
           </a:p>
@@ -1753,7 +1753,7 @@
             <a:fld id="{1D8BD707-D9CF-40AE-B4C6-C98DA3205C09}" type="datetimeFigureOut">
               <a:rPr lang="en-US" smtClean="0"/>
               <a:pPr/>
-              <a:t>4/28/2015</a:t>
+              <a:t>4/29/2015</a:t>
             </a:fld>
             <a:endParaRPr lang="en-US"/>
           </a:p>
@@ -1868,7 +1868,7 @@
             <a:fld id="{1D8BD707-D9CF-40AE-B4C6-C98DA3205C09}" type="datetimeFigureOut">
               <a:rPr lang="en-US" smtClean="0"/>
               <a:pPr/>
-              <a:t>4/28/2015</a:t>
+              <a:t>4/29/2015</a:t>
             </a:fld>
             <a:endParaRPr lang="en-US"/>
           </a:p>
@@ -1960,7 +1960,7 @@
             <a:fld id="{1D8BD707-D9CF-40AE-B4C6-C98DA3205C09}" type="datetimeFigureOut">
               <a:rPr lang="en-US" smtClean="0"/>
               <a:pPr/>
-              <a:t>4/28/2015</a:t>
+              <a:t>4/29/2015</a:t>
             </a:fld>
             <a:endParaRPr lang="en-US"/>
           </a:p>
@@ -2234,7 +2234,7 @@
             <a:fld id="{1D8BD707-D9CF-40AE-B4C6-C98DA3205C09}" type="datetimeFigureOut">
               <a:rPr lang="en-US" smtClean="0"/>
               <a:pPr/>
-              <a:t>4/28/2015</a:t>
+              <a:t>4/29/2015</a:t>
             </a:fld>
             <a:endParaRPr lang="en-US"/>
           </a:p>
@@ -2484,7 +2484,7 @@
             <a:fld id="{1D8BD707-D9CF-40AE-B4C6-C98DA3205C09}" type="datetimeFigureOut">
               <a:rPr lang="en-US" smtClean="0"/>
               <a:pPr/>
-              <a:t>4/28/2015</a:t>
+              <a:t>4/29/2015</a:t>
             </a:fld>
             <a:endParaRPr lang="en-US"/>
           </a:p>
@@ -2694,7 +2694,7 @@
             <a:fld id="{1D8BD707-D9CF-40AE-B4C6-C98DA3205C09}" type="datetimeFigureOut">
               <a:rPr lang="en-US" smtClean="0"/>
               <a:pPr/>
-              <a:t>4/28/2015</a:t>
+              <a:t>4/29/2015</a:t>
             </a:fld>
             <a:endParaRPr lang="en-US"/>
           </a:p>
@@ -3077,7 +3077,7 @@
         </p:nvSpPr>
         <p:spPr>
           <a:xfrm>
-            <a:off x="0" y="1676400"/>
+            <a:off x="0" y="228600"/>
             <a:ext cx="9144000" cy="1470025"/>
           </a:xfrm>
         </p:spPr>
@@ -3087,7 +3087,11 @@
           <a:p>
             <a:r>
               <a:rPr lang="en-US" dirty="0" smtClean="0"/>
-              <a:t>SER 502 – Project 2 - Pitch</a:t>
+              <a:t>SER 502 – </a:t>
+            </a:r>
+            <a:r>
+              <a:rPr lang="en-US" dirty="0" smtClean="0"/>
+              <a:t>Team 6 | Project 2</a:t>
             </a:r>
             <a:endParaRPr lang="en-US" dirty="0"/>
           </a:p>
@@ -3165,6 +3169,80 @@
           </a:p>
           <a:p>
             <a:endParaRPr lang="en-US" dirty="0" smtClean="0"/>
+          </a:p>
+        </p:txBody>
+      </p:sp>
+      <p:sp>
+        <p:nvSpPr>
+          <p:cNvPr id="4" name="Title 1"/>
+          <p:cNvSpPr txBox="1">
+            <a:spLocks/>
+          </p:cNvSpPr>
+          <p:nvPr/>
+        </p:nvSpPr>
+        <p:spPr>
+          <a:xfrm>
+            <a:off x="0" y="1828800"/>
+            <a:ext cx="9144000" cy="1470025"/>
+          </a:xfrm>
+          <a:prstGeom prst="rect">
+            <a:avLst/>
+          </a:prstGeom>
+        </p:spPr>
+        <p:txBody>
+          <a:bodyPr vert="horz" lIns="91440" tIns="45720" rIns="91440" bIns="45720" rtlCol="0" anchor="ctr">
+            <a:normAutofit/>
+          </a:bodyPr>
+          <a:lstStyle/>
+          <a:p>
+            <a:pPr marL="0" marR="0" lvl="0" indent="0" algn="ctr" defTabSz="914400" rtl="0" eaLnBrk="1" fontAlgn="auto" latinLnBrk="0" hangingPunct="1">
+              <a:lnSpc>
+                <a:spcPct val="100000"/>
+              </a:lnSpc>
+              <a:spcBef>
+                <a:spcPct val="0"/>
+              </a:spcBef>
+              <a:spcAft>
+                <a:spcPts val="0"/>
+              </a:spcAft>
+              <a:buClrTx/>
+              <a:buSzTx/>
+              <a:buFontTx/>
+              <a:buNone/>
+              <a:tabLst/>
+              <a:defRPr/>
+            </a:pPr>
+            <a:r>
+              <a:rPr kumimoji="0" lang="en-US" sz="4400" b="0" i="0" u="none" strike="noStrike" kern="1200" cap="none" spc="0" normalizeH="0" baseline="0" noProof="0" dirty="0" smtClean="0">
+                <a:ln>
+                  <a:noFill/>
+                </a:ln>
+                <a:solidFill>
+                  <a:schemeClr val="tx1"/>
+                </a:solidFill>
+                <a:effectLst/>
+                <a:uLnTx/>
+                <a:uFillTx/>
+                <a:latin typeface="+mj-lt"/>
+                <a:ea typeface="+mj-ea"/>
+                <a:cs typeface="+mj-cs"/>
+              </a:rPr>
+              <a:t>Project Pitch</a:t>
+            </a:r>
+            <a:endParaRPr kumimoji="0" lang="en-US" sz="4400" b="0" i="0" u="none" strike="noStrike" kern="1200" cap="none" spc="0" normalizeH="0" baseline="0" noProof="0" dirty="0">
+              <a:ln>
+                <a:noFill/>
+              </a:ln>
+              <a:solidFill>
+                <a:schemeClr val="tx1"/>
+              </a:solidFill>
+              <a:effectLst/>
+              <a:uLnTx/>
+              <a:uFillTx/>
+              <a:latin typeface="+mj-lt"/>
+              <a:ea typeface="+mj-ea"/>
+              <a:cs typeface="+mj-cs"/>
+            </a:endParaRPr>
           </a:p>
         </p:txBody>
       </p:sp>
@@ -3461,15 +3539,7 @@
           <a:p>
             <a:r>
               <a:rPr lang="en-US" dirty="0" smtClean="0"/>
-              <a:t>Suppose </a:t>
-            </a:r>
-            <a:r>
-              <a:rPr lang="en-US" dirty="0" smtClean="0"/>
-              <a:t>we want to set a variable, say x, to 5. Our </a:t>
-            </a:r>
-            <a:r>
-              <a:rPr lang="en-US" dirty="0" smtClean="0"/>
-              <a:t>code would look something like this:</a:t>
+              <a:t>Suppose we want to set a variable, say x, to 5. Our code would look something like this:</a:t>
             </a:r>
           </a:p>
           <a:p>
@@ -3491,13 +3561,8 @@
             </a:r>
             <a:r>
               <a:rPr lang="pt-BR" dirty="0" smtClean="0"/>
-              <a:t>x = </a:t>
-            </a:r>
-            <a:r>
-              <a:rPr lang="pt-BR" dirty="0" smtClean="0"/>
-              <a:t>5</a:t>
-            </a:r>
-            <a:endParaRPr lang="pt-BR" dirty="0" smtClean="0"/>
+              <a:t>x = 5</a:t>
+            </a:r>
           </a:p>
           <a:p>
             <a:pPr>
@@ -3725,13 +3790,8 @@
           <a:p>
             <a:r>
               <a:rPr lang="en-US" dirty="0" smtClean="0"/>
-              <a:t>Assembly like </a:t>
-            </a:r>
-            <a:r>
-              <a:rPr lang="en-US" dirty="0" smtClean="0"/>
-              <a:t>syntax, which makes it easy to read.</a:t>
-            </a:r>
-            <a:endParaRPr lang="en-US" dirty="0" smtClean="0"/>
+              <a:t>Assembly like syntax, which makes it easy to read.</a:t>
+            </a:r>
           </a:p>
           <a:p>
             <a:endParaRPr lang="en-US" dirty="0" smtClean="0"/>
@@ -3761,13 +3821,8 @@
             </a:r>
             <a:r>
               <a:rPr lang="en-US" dirty="0" smtClean="0"/>
-              <a:t>SET x </a:t>
-            </a:r>
-            <a:r>
-              <a:rPr lang="en-US" dirty="0" smtClean="0"/>
-              <a:t>5			// x = 5</a:t>
-            </a:r>
-            <a:endParaRPr lang="en-US" dirty="0" smtClean="0"/>
+              <a:t>SET x 5			// x = 5</a:t>
+            </a:r>
           </a:p>
           <a:p>
             <a:endParaRPr lang="en-US" dirty="0" smtClean="0"/>
